--- a/materials/slides/ch13-basic-shell-script-block-control-and-loop.pptx
+++ b/materials/slides/ch13-basic-shell-script-block-control-and-loop.pptx
@@ -275,7 +275,7 @@
           <a:p>
             <a:fld id="{02E60DA2-A0BC-48C9-AA88-75C78721B420}" type="datetimeFigureOut">
               <a:rPr lang="zh-CN" altLang="en-US" smtClean="0"/>
-              <a:t>2018/2/27</a:t>
+              <a:t>2018/3/1</a:t>
             </a:fld>
             <a:endParaRPr lang="zh-CN" altLang="en-US"/>
           </a:p>
@@ -497,7 +497,7 @@
           <a:p>
             <a:fld id="{02E60DA2-A0BC-48C9-AA88-75C78721B420}" type="datetimeFigureOut">
               <a:rPr lang="zh-CN" altLang="en-US" smtClean="0"/>
-              <a:t>2018/2/27</a:t>
+              <a:t>2018/3/1</a:t>
             </a:fld>
             <a:endParaRPr lang="zh-CN" altLang="en-US"/>
           </a:p>
@@ -729,7 +729,7 @@
           <a:p>
             <a:fld id="{02E60DA2-A0BC-48C9-AA88-75C78721B420}" type="datetimeFigureOut">
               <a:rPr lang="zh-CN" altLang="en-US" smtClean="0"/>
-              <a:t>2018/2/27</a:t>
+              <a:t>2018/3/1</a:t>
             </a:fld>
             <a:endParaRPr lang="zh-CN" altLang="en-US"/>
           </a:p>
@@ -979,7 +979,7 @@
           <a:p>
             <a:fld id="{02E60DA2-A0BC-48C9-AA88-75C78721B420}" type="datetimeFigureOut">
               <a:rPr lang="zh-CN" altLang="en-US" smtClean="0"/>
-              <a:t>2018/2/27</a:t>
+              <a:t>2018/3/1</a:t>
             </a:fld>
             <a:endParaRPr lang="zh-CN" altLang="en-US"/>
           </a:p>
@@ -1217,7 +1217,7 @@
           <a:p>
             <a:fld id="{02E60DA2-A0BC-48C9-AA88-75C78721B420}" type="datetimeFigureOut">
               <a:rPr lang="zh-CN" altLang="en-US" smtClean="0"/>
-              <a:t>2018/2/27</a:t>
+              <a:t>2018/3/1</a:t>
             </a:fld>
             <a:endParaRPr lang="zh-CN" altLang="en-US"/>
           </a:p>
@@ -1522,7 +1522,7 @@
           <a:p>
             <a:fld id="{02E60DA2-A0BC-48C9-AA88-75C78721B420}" type="datetimeFigureOut">
               <a:rPr lang="zh-CN" altLang="en-US" smtClean="0"/>
-              <a:t>2018/2/27</a:t>
+              <a:t>2018/3/1</a:t>
             </a:fld>
             <a:endParaRPr lang="zh-CN" altLang="en-US"/>
           </a:p>
@@ -1825,7 +1825,7 @@
           <a:p>
             <a:fld id="{02E60DA2-A0BC-48C9-AA88-75C78721B420}" type="datetimeFigureOut">
               <a:rPr lang="zh-CN" altLang="en-US" smtClean="0"/>
-              <a:t>2018/2/27</a:t>
+              <a:t>2018/3/1</a:t>
             </a:fld>
             <a:endParaRPr lang="zh-CN" altLang="en-US"/>
           </a:p>
@@ -2276,7 +2276,7 @@
           <a:p>
             <a:fld id="{02E60DA2-A0BC-48C9-AA88-75C78721B420}" type="datetimeFigureOut">
               <a:rPr lang="zh-CN" altLang="en-US" smtClean="0"/>
-              <a:t>2018/2/27</a:t>
+              <a:t>2018/3/1</a:t>
             </a:fld>
             <a:endParaRPr lang="zh-CN" altLang="en-US"/>
           </a:p>
@@ -2449,7 +2449,7 @@
           <a:p>
             <a:fld id="{02E60DA2-A0BC-48C9-AA88-75C78721B420}" type="datetimeFigureOut">
               <a:rPr lang="zh-CN" altLang="en-US" smtClean="0"/>
-              <a:t>2018/2/27</a:t>
+              <a:t>2018/3/1</a:t>
             </a:fld>
             <a:endParaRPr lang="zh-CN" altLang="en-US"/>
           </a:p>
@@ -2586,7 +2586,7 @@
           <a:p>
             <a:fld id="{02E60DA2-A0BC-48C9-AA88-75C78721B420}" type="datetimeFigureOut">
               <a:rPr lang="zh-CN" altLang="en-US" smtClean="0"/>
-              <a:t>2018/2/27</a:t>
+              <a:t>2018/3/1</a:t>
             </a:fld>
             <a:endParaRPr lang="zh-CN" altLang="en-US"/>
           </a:p>
@@ -2930,7 +2930,7 @@
           <a:p>
             <a:fld id="{02E60DA2-A0BC-48C9-AA88-75C78721B420}" type="datetimeFigureOut">
               <a:rPr lang="zh-CN" altLang="en-US" smtClean="0"/>
-              <a:t>2018/2/27</a:t>
+              <a:t>2018/3/1</a:t>
             </a:fld>
             <a:endParaRPr lang="zh-CN" altLang="en-US"/>
           </a:p>
@@ -3152,7 +3152,7 @@
           <a:p>
             <a:fld id="{02E60DA2-A0BC-48C9-AA88-75C78721B420}" type="datetimeFigureOut">
               <a:rPr lang="zh-CN" altLang="en-US" smtClean="0"/>
-              <a:t>2018/2/27</a:t>
+              <a:t>2018/3/1</a:t>
             </a:fld>
             <a:endParaRPr lang="zh-CN" altLang="en-US"/>
           </a:p>
@@ -3473,7 +3473,7 @@
           <a:p>
             <a:fld id="{02E60DA2-A0BC-48C9-AA88-75C78721B420}" type="datetimeFigureOut">
               <a:rPr lang="zh-CN" altLang="en-US" smtClean="0"/>
-              <a:t>2018/2/27</a:t>
+              <a:t>2018/3/1</a:t>
             </a:fld>
             <a:endParaRPr lang="zh-CN" altLang="en-US"/>
           </a:p>
@@ -3711,7 +3711,7 @@
           <a:p>
             <a:fld id="{02E60DA2-A0BC-48C9-AA88-75C78721B420}" type="datetimeFigureOut">
               <a:rPr lang="zh-CN" altLang="en-US" smtClean="0"/>
-              <a:t>2018/2/27</a:t>
+              <a:t>2018/3/1</a:t>
             </a:fld>
             <a:endParaRPr lang="zh-CN" altLang="en-US"/>
           </a:p>
@@ -3949,7 +3949,7 @@
           <a:p>
             <a:fld id="{02E60DA2-A0BC-48C9-AA88-75C78721B420}" type="datetimeFigureOut">
               <a:rPr lang="zh-CN" altLang="en-US" smtClean="0"/>
-              <a:t>2018/2/27</a:t>
+              <a:t>2018/3/1</a:t>
             </a:fld>
             <a:endParaRPr lang="zh-CN" altLang="en-US"/>
           </a:p>
@@ -4248,7 +4248,7 @@
           <a:p>
             <a:fld id="{02E60DA2-A0BC-48C9-AA88-75C78721B420}" type="datetimeFigureOut">
               <a:rPr lang="zh-CN" altLang="en-US" smtClean="0"/>
-              <a:t>2018/2/27</a:t>
+              <a:t>2018/3/1</a:t>
             </a:fld>
             <a:endParaRPr lang="zh-CN" altLang="en-US"/>
           </a:p>
@@ -4537,7 +4537,7 @@
           <a:p>
             <a:fld id="{02E60DA2-A0BC-48C9-AA88-75C78721B420}" type="datetimeFigureOut">
               <a:rPr lang="zh-CN" altLang="en-US" smtClean="0"/>
-              <a:t>2018/2/27</a:t>
+              <a:t>2018/3/1</a:t>
             </a:fld>
             <a:endParaRPr lang="zh-CN" altLang="en-US"/>
           </a:p>
@@ -4973,7 +4973,7 @@
           <a:p>
             <a:fld id="{02E60DA2-A0BC-48C9-AA88-75C78721B420}" type="datetimeFigureOut">
               <a:rPr lang="zh-CN" altLang="en-US" smtClean="0"/>
-              <a:t>2018/2/27</a:t>
+              <a:t>2018/3/1</a:t>
             </a:fld>
             <a:endParaRPr lang="zh-CN" altLang="en-US"/>
           </a:p>
@@ -5138,7 +5138,7 @@
           <a:p>
             <a:fld id="{02E60DA2-A0BC-48C9-AA88-75C78721B420}" type="datetimeFigureOut">
               <a:rPr lang="zh-CN" altLang="en-US" smtClean="0"/>
-              <a:t>2018/2/27</a:t>
+              <a:t>2018/3/1</a:t>
             </a:fld>
             <a:endParaRPr lang="zh-CN" altLang="en-US"/>
           </a:p>
@@ -5275,7 +5275,7 @@
           <a:p>
             <a:fld id="{02E60DA2-A0BC-48C9-AA88-75C78721B420}" type="datetimeFigureOut">
               <a:rPr lang="zh-CN" altLang="en-US" smtClean="0"/>
-              <a:t>2018/2/27</a:t>
+              <a:t>2018/3/1</a:t>
             </a:fld>
             <a:endParaRPr lang="zh-CN" altLang="en-US"/>
           </a:p>
@@ -5610,7 +5610,7 @@
           <a:p>
             <a:fld id="{02E60DA2-A0BC-48C9-AA88-75C78721B420}" type="datetimeFigureOut">
               <a:rPr lang="zh-CN" altLang="en-US" smtClean="0"/>
-              <a:t>2018/2/27</a:t>
+              <a:t>2018/3/1</a:t>
             </a:fld>
             <a:endParaRPr lang="zh-CN" altLang="en-US"/>
           </a:p>
@@ -5922,7 +5922,7 @@
           <a:p>
             <a:fld id="{02E60DA2-A0BC-48C9-AA88-75C78721B420}" type="datetimeFigureOut">
               <a:rPr lang="zh-CN" altLang="en-US" smtClean="0"/>
-              <a:t>2018/2/27</a:t>
+              <a:t>2018/3/1</a:t>
             </a:fld>
             <a:endParaRPr lang="zh-CN" altLang="en-US"/>
           </a:p>
@@ -7966,16 +7966,15 @@
             </a:r>
             <a:r>
               <a:rPr lang="en-US" altLang="zh-CN" sz="2200" dirty="0"/>
-              <a:t>“$file”</a:t>
-            </a:r>
-          </a:p>
-          <a:p>
-            <a:pPr marL="457200" lvl="1" indent="0">
-              <a:buNone/>
-            </a:pPr>
+              <a:t>“$file” ;</a:t>
+            </a:r>
+            <a:r>
+              <a:rPr lang="zh-CN" altLang="en-US" sz="2200" dirty="0"/>
+              <a:t> </a:t>
+            </a:r>
             <a:r>
               <a:rPr lang="en-US" altLang="zh-CN" sz="2200" dirty="0"/>
-              <a:t>    then</a:t>
+              <a:t>then</a:t>
             </a:r>
           </a:p>
           <a:p>

--- a/materials/slides/ch13-basic-shell-script-block-control-and-loop.pptx
+++ b/materials/slides/ch13-basic-shell-script-block-control-and-loop.pptx
@@ -275,7 +275,7 @@
           <a:p>
             <a:fld id="{02E60DA2-A0BC-48C9-AA88-75C78721B420}" type="datetimeFigureOut">
               <a:rPr lang="zh-CN" altLang="en-US" smtClean="0"/>
-              <a:t>2018/3/1</a:t>
+              <a:t>2018/3/3</a:t>
             </a:fld>
             <a:endParaRPr lang="zh-CN" altLang="en-US"/>
           </a:p>
@@ -497,7 +497,7 @@
           <a:p>
             <a:fld id="{02E60DA2-A0BC-48C9-AA88-75C78721B420}" type="datetimeFigureOut">
               <a:rPr lang="zh-CN" altLang="en-US" smtClean="0"/>
-              <a:t>2018/3/1</a:t>
+              <a:t>2018/3/3</a:t>
             </a:fld>
             <a:endParaRPr lang="zh-CN" altLang="en-US"/>
           </a:p>
@@ -729,7 +729,7 @@
           <a:p>
             <a:fld id="{02E60DA2-A0BC-48C9-AA88-75C78721B420}" type="datetimeFigureOut">
               <a:rPr lang="zh-CN" altLang="en-US" smtClean="0"/>
-              <a:t>2018/3/1</a:t>
+              <a:t>2018/3/3</a:t>
             </a:fld>
             <a:endParaRPr lang="zh-CN" altLang="en-US"/>
           </a:p>
@@ -979,7 +979,7 @@
           <a:p>
             <a:fld id="{02E60DA2-A0BC-48C9-AA88-75C78721B420}" type="datetimeFigureOut">
               <a:rPr lang="zh-CN" altLang="en-US" smtClean="0"/>
-              <a:t>2018/3/1</a:t>
+              <a:t>2018/3/3</a:t>
             </a:fld>
             <a:endParaRPr lang="zh-CN" altLang="en-US"/>
           </a:p>
@@ -1217,7 +1217,7 @@
           <a:p>
             <a:fld id="{02E60DA2-A0BC-48C9-AA88-75C78721B420}" type="datetimeFigureOut">
               <a:rPr lang="zh-CN" altLang="en-US" smtClean="0"/>
-              <a:t>2018/3/1</a:t>
+              <a:t>2018/3/3</a:t>
             </a:fld>
             <a:endParaRPr lang="zh-CN" altLang="en-US"/>
           </a:p>
@@ -1522,7 +1522,7 @@
           <a:p>
             <a:fld id="{02E60DA2-A0BC-48C9-AA88-75C78721B420}" type="datetimeFigureOut">
               <a:rPr lang="zh-CN" altLang="en-US" smtClean="0"/>
-              <a:t>2018/3/1</a:t>
+              <a:t>2018/3/3</a:t>
             </a:fld>
             <a:endParaRPr lang="zh-CN" altLang="en-US"/>
           </a:p>
@@ -1825,7 +1825,7 @@
           <a:p>
             <a:fld id="{02E60DA2-A0BC-48C9-AA88-75C78721B420}" type="datetimeFigureOut">
               <a:rPr lang="zh-CN" altLang="en-US" smtClean="0"/>
-              <a:t>2018/3/1</a:t>
+              <a:t>2018/3/3</a:t>
             </a:fld>
             <a:endParaRPr lang="zh-CN" altLang="en-US"/>
           </a:p>
@@ -2276,7 +2276,7 @@
           <a:p>
             <a:fld id="{02E60DA2-A0BC-48C9-AA88-75C78721B420}" type="datetimeFigureOut">
               <a:rPr lang="zh-CN" altLang="en-US" smtClean="0"/>
-              <a:t>2018/3/1</a:t>
+              <a:t>2018/3/3</a:t>
             </a:fld>
             <a:endParaRPr lang="zh-CN" altLang="en-US"/>
           </a:p>
@@ -2449,7 +2449,7 @@
           <a:p>
             <a:fld id="{02E60DA2-A0BC-48C9-AA88-75C78721B420}" type="datetimeFigureOut">
               <a:rPr lang="zh-CN" altLang="en-US" smtClean="0"/>
-              <a:t>2018/3/1</a:t>
+              <a:t>2018/3/3</a:t>
             </a:fld>
             <a:endParaRPr lang="zh-CN" altLang="en-US"/>
           </a:p>
@@ -2586,7 +2586,7 @@
           <a:p>
             <a:fld id="{02E60DA2-A0BC-48C9-AA88-75C78721B420}" type="datetimeFigureOut">
               <a:rPr lang="zh-CN" altLang="en-US" smtClean="0"/>
-              <a:t>2018/3/1</a:t>
+              <a:t>2018/3/3</a:t>
             </a:fld>
             <a:endParaRPr lang="zh-CN" altLang="en-US"/>
           </a:p>
@@ -2930,7 +2930,7 @@
           <a:p>
             <a:fld id="{02E60DA2-A0BC-48C9-AA88-75C78721B420}" type="datetimeFigureOut">
               <a:rPr lang="zh-CN" altLang="en-US" smtClean="0"/>
-              <a:t>2018/3/1</a:t>
+              <a:t>2018/3/3</a:t>
             </a:fld>
             <a:endParaRPr lang="zh-CN" altLang="en-US"/>
           </a:p>
@@ -3152,7 +3152,7 @@
           <a:p>
             <a:fld id="{02E60DA2-A0BC-48C9-AA88-75C78721B420}" type="datetimeFigureOut">
               <a:rPr lang="zh-CN" altLang="en-US" smtClean="0"/>
-              <a:t>2018/3/1</a:t>
+              <a:t>2018/3/3</a:t>
             </a:fld>
             <a:endParaRPr lang="zh-CN" altLang="en-US"/>
           </a:p>
@@ -3473,7 +3473,7 @@
           <a:p>
             <a:fld id="{02E60DA2-A0BC-48C9-AA88-75C78721B420}" type="datetimeFigureOut">
               <a:rPr lang="zh-CN" altLang="en-US" smtClean="0"/>
-              <a:t>2018/3/1</a:t>
+              <a:t>2018/3/3</a:t>
             </a:fld>
             <a:endParaRPr lang="zh-CN" altLang="en-US"/>
           </a:p>
@@ -3711,7 +3711,7 @@
           <a:p>
             <a:fld id="{02E60DA2-A0BC-48C9-AA88-75C78721B420}" type="datetimeFigureOut">
               <a:rPr lang="zh-CN" altLang="en-US" smtClean="0"/>
-              <a:t>2018/3/1</a:t>
+              <a:t>2018/3/3</a:t>
             </a:fld>
             <a:endParaRPr lang="zh-CN" altLang="en-US"/>
           </a:p>
@@ -3949,7 +3949,7 @@
           <a:p>
             <a:fld id="{02E60DA2-A0BC-48C9-AA88-75C78721B420}" type="datetimeFigureOut">
               <a:rPr lang="zh-CN" altLang="en-US" smtClean="0"/>
-              <a:t>2018/3/1</a:t>
+              <a:t>2018/3/3</a:t>
             </a:fld>
             <a:endParaRPr lang="zh-CN" altLang="en-US"/>
           </a:p>
@@ -4248,7 +4248,7 @@
           <a:p>
             <a:fld id="{02E60DA2-A0BC-48C9-AA88-75C78721B420}" type="datetimeFigureOut">
               <a:rPr lang="zh-CN" altLang="en-US" smtClean="0"/>
-              <a:t>2018/3/1</a:t>
+              <a:t>2018/3/3</a:t>
             </a:fld>
             <a:endParaRPr lang="zh-CN" altLang="en-US"/>
           </a:p>
@@ -4537,7 +4537,7 @@
           <a:p>
             <a:fld id="{02E60DA2-A0BC-48C9-AA88-75C78721B420}" type="datetimeFigureOut">
               <a:rPr lang="zh-CN" altLang="en-US" smtClean="0"/>
-              <a:t>2018/3/1</a:t>
+              <a:t>2018/3/3</a:t>
             </a:fld>
             <a:endParaRPr lang="zh-CN" altLang="en-US"/>
           </a:p>
@@ -4973,7 +4973,7 @@
           <a:p>
             <a:fld id="{02E60DA2-A0BC-48C9-AA88-75C78721B420}" type="datetimeFigureOut">
               <a:rPr lang="zh-CN" altLang="en-US" smtClean="0"/>
-              <a:t>2018/3/1</a:t>
+              <a:t>2018/3/3</a:t>
             </a:fld>
             <a:endParaRPr lang="zh-CN" altLang="en-US"/>
           </a:p>
@@ -5138,7 +5138,7 @@
           <a:p>
             <a:fld id="{02E60DA2-A0BC-48C9-AA88-75C78721B420}" type="datetimeFigureOut">
               <a:rPr lang="zh-CN" altLang="en-US" smtClean="0"/>
-              <a:t>2018/3/1</a:t>
+              <a:t>2018/3/3</a:t>
             </a:fld>
             <a:endParaRPr lang="zh-CN" altLang="en-US"/>
           </a:p>
@@ -5275,7 +5275,7 @@
           <a:p>
             <a:fld id="{02E60DA2-A0BC-48C9-AA88-75C78721B420}" type="datetimeFigureOut">
               <a:rPr lang="zh-CN" altLang="en-US" smtClean="0"/>
-              <a:t>2018/3/1</a:t>
+              <a:t>2018/3/3</a:t>
             </a:fld>
             <a:endParaRPr lang="zh-CN" altLang="en-US"/>
           </a:p>
@@ -5610,7 +5610,7 @@
           <a:p>
             <a:fld id="{02E60DA2-A0BC-48C9-AA88-75C78721B420}" type="datetimeFigureOut">
               <a:rPr lang="zh-CN" altLang="en-US" smtClean="0"/>
-              <a:t>2018/3/1</a:t>
+              <a:t>2018/3/3</a:t>
             </a:fld>
             <a:endParaRPr lang="zh-CN" altLang="en-US"/>
           </a:p>
@@ -5922,7 +5922,7 @@
           <a:p>
             <a:fld id="{02E60DA2-A0BC-48C9-AA88-75C78721B420}" type="datetimeFigureOut">
               <a:rPr lang="zh-CN" altLang="en-US" smtClean="0"/>
-              <a:t>2018/3/1</a:t>
+              <a:t>2018/3/3</a:t>
             </a:fld>
             <a:endParaRPr lang="zh-CN" altLang="en-US"/>
           </a:p>
@@ -7071,8 +7071,9 @@
             <a:r>
               <a:rPr lang="zh-CN" altLang="en-US" sz="3600" dirty="0">
                 <a:solidFill>
-                  <a:schemeClr val="tx2">
-                    <a:lumMod val="50000"/>
+                  <a:schemeClr val="tx1">
+                    <a:lumMod val="95000"/>
+                    <a:lumOff val="5000"/>
                   </a:schemeClr>
                 </a:solidFill>
               </a:rPr>
@@ -7081,7 +7082,10 @@
             <a:r>
               <a:rPr lang="en-US" altLang="zh-CN" sz="3600" dirty="0">
                 <a:solidFill>
-                  <a:srgbClr val="C00000"/>
+                  <a:schemeClr val="tx1">
+                    <a:lumMod val="95000"/>
+                    <a:lumOff val="5000"/>
+                  </a:schemeClr>
                 </a:solidFill>
               </a:rPr>
               <a:t>shell</a:t>
@@ -7089,7 +7093,10 @@
             <a:r>
               <a:rPr lang="zh-CN" altLang="en-US" sz="3600" dirty="0">
                 <a:solidFill>
-                  <a:srgbClr val="C00000"/>
+                  <a:schemeClr val="tx1">
+                    <a:lumMod val="95000"/>
+                    <a:lumOff val="5000"/>
+                  </a:schemeClr>
                 </a:solidFill>
               </a:rPr>
               <a:t>脚本基础</a:t>
@@ -7097,7 +7104,10 @@
             <a:r>
               <a:rPr lang="en-US" altLang="zh-CN" sz="3600" dirty="0">
                 <a:solidFill>
-                  <a:srgbClr val="C00000"/>
+                  <a:schemeClr val="tx1">
+                    <a:lumMod val="95000"/>
+                    <a:lumOff val="5000"/>
+                  </a:schemeClr>
                 </a:solidFill>
               </a:rPr>
               <a:t>-</a:t>
@@ -7105,7 +7115,10 @@
             <a:r>
               <a:rPr lang="zh-CN" altLang="en-US" sz="3600" dirty="0">
                 <a:solidFill>
-                  <a:srgbClr val="C00000"/>
+                  <a:schemeClr val="tx1">
+                    <a:lumMod val="95000"/>
+                    <a:lumOff val="5000"/>
+                  </a:schemeClr>
                 </a:solidFill>
               </a:rPr>
               <a:t>逻辑判断与循环</a:t>
